--- a/Tryton 5.8 - Doc 80.01 - Ancillaries.pptx
+++ b/Tryton 5.8 - Doc 80.01 - Ancillaries.pptx
@@ -224,7 +224,7 @@
           <a:p>
             <a:fld id="{F8FD9220-3D18-4077-BD0E-AFA621EE8E9B}" type="datetimeFigureOut">
               <a:rPr lang="en-BE" smtClean="0"/>
-              <a:t>04/05/2021</a:t>
+              <a:t>06/05/2021</a:t>
             </a:fld>
             <a:endParaRPr lang="en-BE"/>
           </a:p>
@@ -4910,14 +4910,10 @@
               <a:t>-</a:t>
             </a:r>
             <a:br>
-              <a:rPr lang="fr-BE" sz="3200" dirty="0"/>
+              <a:rPr lang="fr-BE" sz="3200"/>
             </a:br>
             <a:r>
-              <a:rPr lang="fr-BE" sz="3200" dirty="0"/>
-              <a:t>Usage : </a:t>
-            </a:r>
-            <a:r>
-              <a:rPr lang="fr-BE" sz="3200" dirty="0" err="1"/>
+              <a:rPr lang="fr-BE" sz="3200"/>
               <a:t>Ancillaries</a:t>
             </a:r>
             <a:endParaRPr lang="en-BE" sz="3200" dirty="0"/>
@@ -4926,195 +4922,31 @@
       </p:sp>
       <p:sp>
         <p:nvSpPr>
-          <p:cNvPr id="6" name="Subtitle 3">
-            <a:extLst>
-              <a:ext uri="{FF2B5EF4-FFF2-40B4-BE49-F238E27FC236}">
-                <a16:creationId xmlns:a16="http://schemas.microsoft.com/office/drawing/2014/main" id="{7CD705A9-918D-4120-A98B-C041B5BD734F}"/>
-              </a:ext>
-            </a:extLst>
-          </p:cNvPr>
-          <p:cNvSpPr>
-            <a:spLocks noGrp="1"/>
-          </p:cNvSpPr>
-          <p:nvPr/>
+          <p:cNvPr id="8" name="Subtitle 3">
+            <a:extLst>
+              <a:ext uri="{FF2B5EF4-FFF2-40B4-BE49-F238E27FC236}">
+                <a16:creationId xmlns:a16="http://schemas.microsoft.com/office/drawing/2014/main" id="{2A8C455D-FE19-4759-BF4F-4C17F321537C}"/>
+              </a:ext>
+            </a:extLst>
+          </p:cNvPr>
+          <p:cNvSpPr>
+            <a:spLocks noGrp="1"/>
+          </p:cNvSpPr>
+          <p:nvPr>
+            <p:ph type="subTitle" idx="1"/>
+          </p:nvPr>
         </p:nvSpPr>
         <p:spPr>
           <a:xfrm>
-            <a:off x="895928" y="5065442"/>
+            <a:off x="702367" y="4988766"/>
             <a:ext cx="9144000" cy="1684595"/>
           </a:xfrm>
-          <a:prstGeom prst="rect">
-            <a:avLst/>
-          </a:prstGeom>
         </p:spPr>
         <p:txBody>
           <a:bodyPr>
             <a:normAutofit/>
           </a:bodyPr>
-          <a:lstStyle>
-            <a:lvl1pPr marL="0" indent="0" algn="ctr" defTabSz="914400" rtl="0" eaLnBrk="1" latinLnBrk="0" hangingPunct="1">
-              <a:lnSpc>
-                <a:spcPct val="90000"/>
-              </a:lnSpc>
-              <a:spcBef>
-                <a:spcPts val="1000"/>
-              </a:spcBef>
-              <a:buFont typeface="Arial" panose="020B0604020202020204" pitchFamily="34" charset="0"/>
-              <a:buNone/>
-              <a:defRPr sz="2400" kern="1200">
-                <a:solidFill>
-                  <a:schemeClr val="tx1"/>
-                </a:solidFill>
-                <a:latin typeface="+mn-lt"/>
-                <a:ea typeface="+mn-ea"/>
-                <a:cs typeface="+mn-cs"/>
-              </a:defRPr>
-            </a:lvl1pPr>
-            <a:lvl2pPr marL="457200" indent="0" algn="ctr" defTabSz="914400" rtl="0" eaLnBrk="1" latinLnBrk="0" hangingPunct="1">
-              <a:lnSpc>
-                <a:spcPct val="90000"/>
-              </a:lnSpc>
-              <a:spcBef>
-                <a:spcPts val="500"/>
-              </a:spcBef>
-              <a:buFont typeface="Arial" panose="020B0604020202020204" pitchFamily="34" charset="0"/>
-              <a:buNone/>
-              <a:defRPr sz="2000" kern="1200">
-                <a:solidFill>
-                  <a:schemeClr val="tx1"/>
-                </a:solidFill>
-                <a:latin typeface="+mn-lt"/>
-                <a:ea typeface="+mn-ea"/>
-                <a:cs typeface="+mn-cs"/>
-              </a:defRPr>
-            </a:lvl2pPr>
-            <a:lvl3pPr marL="914400" indent="0" algn="ctr" defTabSz="914400" rtl="0" eaLnBrk="1" latinLnBrk="0" hangingPunct="1">
-              <a:lnSpc>
-                <a:spcPct val="90000"/>
-              </a:lnSpc>
-              <a:spcBef>
-                <a:spcPts val="500"/>
-              </a:spcBef>
-              <a:buFont typeface="Arial" panose="020B0604020202020204" pitchFamily="34" charset="0"/>
-              <a:buNone/>
-              <a:defRPr sz="1800" kern="1200">
-                <a:solidFill>
-                  <a:schemeClr val="tx1"/>
-                </a:solidFill>
-                <a:latin typeface="+mn-lt"/>
-                <a:ea typeface="+mn-ea"/>
-                <a:cs typeface="+mn-cs"/>
-              </a:defRPr>
-            </a:lvl3pPr>
-            <a:lvl4pPr marL="1371600" indent="0" algn="ctr" defTabSz="914400" rtl="0" eaLnBrk="1" latinLnBrk="0" hangingPunct="1">
-              <a:lnSpc>
-                <a:spcPct val="90000"/>
-              </a:lnSpc>
-              <a:spcBef>
-                <a:spcPts val="500"/>
-              </a:spcBef>
-              <a:buFont typeface="Arial" panose="020B0604020202020204" pitchFamily="34" charset="0"/>
-              <a:buNone/>
-              <a:defRPr sz="1600" kern="1200">
-                <a:solidFill>
-                  <a:schemeClr val="tx1"/>
-                </a:solidFill>
-                <a:latin typeface="+mn-lt"/>
-                <a:ea typeface="+mn-ea"/>
-                <a:cs typeface="+mn-cs"/>
-              </a:defRPr>
-            </a:lvl4pPr>
-            <a:lvl5pPr marL="1828800" indent="0" algn="ctr" defTabSz="914400" rtl="0" eaLnBrk="1" latinLnBrk="0" hangingPunct="1">
-              <a:lnSpc>
-                <a:spcPct val="90000"/>
-              </a:lnSpc>
-              <a:spcBef>
-                <a:spcPts val="500"/>
-              </a:spcBef>
-              <a:buFont typeface="Arial" panose="020B0604020202020204" pitchFamily="34" charset="0"/>
-              <a:buNone/>
-              <a:defRPr sz="1600" kern="1200">
-                <a:solidFill>
-                  <a:schemeClr val="tx1"/>
-                </a:solidFill>
-                <a:latin typeface="+mn-lt"/>
-                <a:ea typeface="+mn-ea"/>
-                <a:cs typeface="+mn-cs"/>
-              </a:defRPr>
-            </a:lvl5pPr>
-            <a:lvl6pPr marL="2286000" indent="0" algn="ctr" defTabSz="914400" rtl="0" eaLnBrk="1" latinLnBrk="0" hangingPunct="1">
-              <a:lnSpc>
-                <a:spcPct val="90000"/>
-              </a:lnSpc>
-              <a:spcBef>
-                <a:spcPts val="500"/>
-              </a:spcBef>
-              <a:buFont typeface="Arial" panose="020B0604020202020204" pitchFamily="34" charset="0"/>
-              <a:buNone/>
-              <a:defRPr sz="1600" kern="1200">
-                <a:solidFill>
-                  <a:schemeClr val="tx1"/>
-                </a:solidFill>
-                <a:latin typeface="+mn-lt"/>
-                <a:ea typeface="+mn-ea"/>
-                <a:cs typeface="+mn-cs"/>
-              </a:defRPr>
-            </a:lvl6pPr>
-            <a:lvl7pPr marL="2743200" indent="0" algn="ctr" defTabSz="914400" rtl="0" eaLnBrk="1" latinLnBrk="0" hangingPunct="1">
-              <a:lnSpc>
-                <a:spcPct val="90000"/>
-              </a:lnSpc>
-              <a:spcBef>
-                <a:spcPts val="500"/>
-              </a:spcBef>
-              <a:buFont typeface="Arial" panose="020B0604020202020204" pitchFamily="34" charset="0"/>
-              <a:buNone/>
-              <a:defRPr sz="1600" kern="1200">
-                <a:solidFill>
-                  <a:schemeClr val="tx1"/>
-                </a:solidFill>
-                <a:latin typeface="+mn-lt"/>
-                <a:ea typeface="+mn-ea"/>
-                <a:cs typeface="+mn-cs"/>
-              </a:defRPr>
-            </a:lvl7pPr>
-            <a:lvl8pPr marL="3200400" indent="0" algn="ctr" defTabSz="914400" rtl="0" eaLnBrk="1" latinLnBrk="0" hangingPunct="1">
-              <a:lnSpc>
-                <a:spcPct val="90000"/>
-              </a:lnSpc>
-              <a:spcBef>
-                <a:spcPts val="500"/>
-              </a:spcBef>
-              <a:buFont typeface="Arial" panose="020B0604020202020204" pitchFamily="34" charset="0"/>
-              <a:buNone/>
-              <a:defRPr sz="1600" kern="1200">
-                <a:solidFill>
-                  <a:schemeClr val="tx1"/>
-                </a:solidFill>
-                <a:latin typeface="+mn-lt"/>
-                <a:ea typeface="+mn-ea"/>
-                <a:cs typeface="+mn-cs"/>
-              </a:defRPr>
-            </a:lvl8pPr>
-            <a:lvl9pPr marL="3657600" indent="0" algn="ctr" defTabSz="914400" rtl="0" eaLnBrk="1" latinLnBrk="0" hangingPunct="1">
-              <a:lnSpc>
-                <a:spcPct val="90000"/>
-              </a:lnSpc>
-              <a:spcBef>
-                <a:spcPts val="500"/>
-              </a:spcBef>
-              <a:buFont typeface="Arial" panose="020B0604020202020204" pitchFamily="34" charset="0"/>
-              <a:buNone/>
-              <a:defRPr sz="1600" kern="1200">
-                <a:solidFill>
-                  <a:schemeClr val="tx1"/>
-                </a:solidFill>
-                <a:latin typeface="+mn-lt"/>
-                <a:ea typeface="+mn-ea"/>
-                <a:cs typeface="+mn-cs"/>
-              </a:defRPr>
-            </a:lvl9pPr>
-          </a:lstStyle>
+          <a:lstStyle/>
           <a:p>
             <a:pPr algn="l"/>
             <a:r>
@@ -5141,15 +4973,7 @@
                 </a:solidFill>
                 <a:effectLst/>
               </a:rPr>
-              <a:t>Version of presentation : 01.02 </a:t>
-            </a:r>
-            <a:r>
-              <a:rPr lang="en-US" sz="1800" dirty="0">
-                <a:solidFill>
-                  <a:srgbClr val="333333"/>
-                </a:solidFill>
-              </a:rPr>
-              <a:t>Dated</a:t>
+              <a:t>Version of presentation : </a:t>
             </a:r>
             <a:r>
               <a:rPr lang="en-US" sz="1800" i="0" dirty="0">
@@ -5157,8 +4981,9 @@
                   <a:srgbClr val="333333"/>
                 </a:solidFill>
                 <a:effectLst/>
+                <a:hlinkClick r:id="rId3"/>
               </a:rPr>
-              <a:t> 5-May-21</a:t>
+              <a:t>5.0</a:t>
             </a:r>
             <a:br>
               <a:rPr lang="en-US" sz="1800" i="0" dirty="0">
@@ -5239,7 +5064,7 @@
                 <a:solidFill>
                   <a:srgbClr val="333333"/>
                 </a:solidFill>
-                <a:hlinkClick r:id="rId3"/>
+                <a:hlinkClick r:id="rId4"/>
               </a:rPr>
               <a:t>CC BY 4.0</a:t>
             </a:r>
